--- a/Analog elektronik/examPrep/BJT/FrequencyResponse_Diagrams_BJT.pptx
+++ b/Analog elektronik/examPrep/BJT/FrequencyResponse_Diagrams_BJT.pptx
@@ -5,8 +5,8 @@
     <p:sldMasterId id="2147483648" r:id="rId1"/>
   </p:sldMasterIdLst>
   <p:sldIdLst>
-    <p:sldId id="256" r:id="rId2"/>
-    <p:sldId id="257" r:id="rId3"/>
+    <p:sldId id="257" r:id="rId2"/>
+    <p:sldId id="256" r:id="rId3"/>
   </p:sldIdLst>
   <p:sldSz cx="12192000" cy="6858000"/>
   <p:notesSz cx="6858000" cy="9144000"/>
@@ -105,6 +105,11 @@
       </a:defRPr>
     </a:lvl9pPr>
   </p:defaultTextStyle>
+  <p:extLst>
+    <p:ext uri="{EFAFB233-063F-42B5-8137-9DF3F51BA10A}">
+      <p15:sldGuideLst xmlns:p15="http://schemas.microsoft.com/office/powerpoint/2012/main"/>
+    </p:ext>
+  </p:extLst>
 </p:presentation>
 </file>
 
@@ -255,7 +260,7 @@
           <a:p>
             <a:fld id="{FDD3471F-6108-427F-8CF1-DDA5589ED90C}" type="datetimeFigureOut">
               <a:rPr lang="da-DK" smtClean="0"/>
-              <a:t>05-06-2024</a:t>
+              <a:t>06-06-2024</a:t>
             </a:fld>
             <a:endParaRPr lang="da-DK"/>
           </a:p>
@@ -453,7 +458,7 @@
           <a:p>
             <a:fld id="{FDD3471F-6108-427F-8CF1-DDA5589ED90C}" type="datetimeFigureOut">
               <a:rPr lang="da-DK" smtClean="0"/>
-              <a:t>05-06-2024</a:t>
+              <a:t>06-06-2024</a:t>
             </a:fld>
             <a:endParaRPr lang="da-DK"/>
           </a:p>
@@ -661,7 +666,7 @@
           <a:p>
             <a:fld id="{FDD3471F-6108-427F-8CF1-DDA5589ED90C}" type="datetimeFigureOut">
               <a:rPr lang="da-DK" smtClean="0"/>
-              <a:t>05-06-2024</a:t>
+              <a:t>06-06-2024</a:t>
             </a:fld>
             <a:endParaRPr lang="da-DK"/>
           </a:p>
@@ -859,7 +864,7 @@
           <a:p>
             <a:fld id="{FDD3471F-6108-427F-8CF1-DDA5589ED90C}" type="datetimeFigureOut">
               <a:rPr lang="da-DK" smtClean="0"/>
-              <a:t>05-06-2024</a:t>
+              <a:t>06-06-2024</a:t>
             </a:fld>
             <a:endParaRPr lang="da-DK"/>
           </a:p>
@@ -1134,7 +1139,7 @@
           <a:p>
             <a:fld id="{FDD3471F-6108-427F-8CF1-DDA5589ED90C}" type="datetimeFigureOut">
               <a:rPr lang="da-DK" smtClean="0"/>
-              <a:t>05-06-2024</a:t>
+              <a:t>06-06-2024</a:t>
             </a:fld>
             <a:endParaRPr lang="da-DK"/>
           </a:p>
@@ -1399,7 +1404,7 @@
           <a:p>
             <a:fld id="{FDD3471F-6108-427F-8CF1-DDA5589ED90C}" type="datetimeFigureOut">
               <a:rPr lang="da-DK" smtClean="0"/>
-              <a:t>05-06-2024</a:t>
+              <a:t>06-06-2024</a:t>
             </a:fld>
             <a:endParaRPr lang="da-DK"/>
           </a:p>
@@ -1811,7 +1816,7 @@
           <a:p>
             <a:fld id="{FDD3471F-6108-427F-8CF1-DDA5589ED90C}" type="datetimeFigureOut">
               <a:rPr lang="da-DK" smtClean="0"/>
-              <a:t>05-06-2024</a:t>
+              <a:t>06-06-2024</a:t>
             </a:fld>
             <a:endParaRPr lang="da-DK"/>
           </a:p>
@@ -1952,7 +1957,7 @@
           <a:p>
             <a:fld id="{FDD3471F-6108-427F-8CF1-DDA5589ED90C}" type="datetimeFigureOut">
               <a:rPr lang="da-DK" smtClean="0"/>
-              <a:t>05-06-2024</a:t>
+              <a:t>06-06-2024</a:t>
             </a:fld>
             <a:endParaRPr lang="da-DK"/>
           </a:p>
@@ -2065,7 +2070,7 @@
           <a:p>
             <a:fld id="{FDD3471F-6108-427F-8CF1-DDA5589ED90C}" type="datetimeFigureOut">
               <a:rPr lang="da-DK" smtClean="0"/>
-              <a:t>05-06-2024</a:t>
+              <a:t>06-06-2024</a:t>
             </a:fld>
             <a:endParaRPr lang="da-DK"/>
           </a:p>
@@ -2376,7 +2381,7 @@
           <a:p>
             <a:fld id="{FDD3471F-6108-427F-8CF1-DDA5589ED90C}" type="datetimeFigureOut">
               <a:rPr lang="da-DK" smtClean="0"/>
-              <a:t>05-06-2024</a:t>
+              <a:t>06-06-2024</a:t>
             </a:fld>
             <a:endParaRPr lang="da-DK"/>
           </a:p>
@@ -2664,7 +2669,7 @@
           <a:p>
             <a:fld id="{FDD3471F-6108-427F-8CF1-DDA5589ED90C}" type="datetimeFigureOut">
               <a:rPr lang="da-DK" smtClean="0"/>
-              <a:t>05-06-2024</a:t>
+              <a:t>06-06-2024</a:t>
             </a:fld>
             <a:endParaRPr lang="da-DK"/>
           </a:p>
@@ -2905,7 +2910,7 @@
           <a:p>
             <a:fld id="{FDD3471F-6108-427F-8CF1-DDA5589ED90C}" type="datetimeFigureOut">
               <a:rPr lang="da-DK" smtClean="0"/>
-              <a:t>05-06-2024</a:t>
+              <a:t>06-06-2024</a:t>
             </a:fld>
             <a:endParaRPr lang="da-DK"/>
           </a:p>
@@ -3327,6 +3332,1632 @@
           <p:cNvPr id="4" name="Titel 1">
             <a:extLst>
               <a:ext uri="{FF2B5EF4-FFF2-40B4-BE49-F238E27FC236}">
+                <a16:creationId xmlns:a16="http://schemas.microsoft.com/office/drawing/2014/main" id="{CE27834D-AC63-2947-F78F-C523C2BF8CDF}"/>
+              </a:ext>
+            </a:extLst>
+          </p:cNvPr>
+          <p:cNvSpPr txBox="1">
+            <a:spLocks/>
+          </p:cNvSpPr>
+          <p:nvPr/>
+        </p:nvSpPr>
+        <p:spPr>
+          <a:xfrm>
+            <a:off x="838200" y="365126"/>
+            <a:ext cx="10515600" cy="372293"/>
+          </a:xfrm>
+          <a:prstGeom prst="rect">
+            <a:avLst/>
+          </a:prstGeom>
+        </p:spPr>
+        <p:txBody>
+          <a:bodyPr vert="horz" lIns="91440" tIns="45720" rIns="91440" bIns="45720" rtlCol="0" anchor="b">
+            <a:normAutofit/>
+          </a:bodyPr>
+          <a:lstStyle>
+            <a:lvl1pPr algn="ctr" defTabSz="914400" rtl="0" eaLnBrk="1" latinLnBrk="0" hangingPunct="1">
+              <a:lnSpc>
+                <a:spcPct val="90000"/>
+              </a:lnSpc>
+              <a:spcBef>
+                <a:spcPct val="0"/>
+              </a:spcBef>
+              <a:buNone/>
+              <a:defRPr sz="6000" kern="1200">
+                <a:solidFill>
+                  <a:schemeClr val="tx1"/>
+                </a:solidFill>
+                <a:latin typeface="+mj-lt"/>
+                <a:ea typeface="+mj-ea"/>
+                <a:cs typeface="+mj-cs"/>
+              </a:defRPr>
+            </a:lvl1pPr>
+          </a:lstStyle>
+          <a:p>
+            <a:pPr algn="l"/>
+            <a:r>
+              <a:rPr lang="da-DK" sz="1800" dirty="0"/>
+              <a:t>Blocks</a:t>
+            </a:r>
+          </a:p>
+        </p:txBody>
+      </p:sp>
+      <p:grpSp>
+        <p:nvGrpSpPr>
+          <p:cNvPr id="5" name="Gruppe 4">
+            <a:extLst>
+              <a:ext uri="{FF2B5EF4-FFF2-40B4-BE49-F238E27FC236}">
+                <a16:creationId xmlns:a16="http://schemas.microsoft.com/office/drawing/2014/main" id="{7356CD03-89C5-298F-4D56-993122C9C3BF}"/>
+              </a:ext>
+            </a:extLst>
+          </p:cNvPr>
+          <p:cNvGrpSpPr/>
+          <p:nvPr/>
+        </p:nvGrpSpPr>
+        <p:grpSpPr>
+          <a:xfrm>
+            <a:off x="1542462" y="1913753"/>
+            <a:ext cx="788387" cy="1002095"/>
+            <a:chOff x="3823770" y="2016899"/>
+            <a:chExt cx="788387" cy="1002095"/>
+          </a:xfrm>
+        </p:grpSpPr>
+        <p:cxnSp>
+          <p:nvCxnSpPr>
+            <p:cNvPr id="6" name="Lige forbindelse 5">
+              <a:extLst>
+                <a:ext uri="{FF2B5EF4-FFF2-40B4-BE49-F238E27FC236}">
+                  <a16:creationId xmlns:a16="http://schemas.microsoft.com/office/drawing/2014/main" id="{742BE1C6-4389-6FD5-0411-ACE64788B3E5}"/>
+                </a:ext>
+              </a:extLst>
+            </p:cNvPr>
+            <p:cNvCxnSpPr/>
+            <p:nvPr/>
+          </p:nvCxnSpPr>
+          <p:spPr>
+            <a:xfrm>
+              <a:off x="4363770" y="2263366"/>
+              <a:ext cx="0" cy="540000"/>
+            </a:xfrm>
+            <a:prstGeom prst="line">
+              <a:avLst/>
+            </a:prstGeom>
+            <a:ln w="28575"/>
+          </p:spPr>
+          <p:style>
+            <a:lnRef idx="2">
+              <a:schemeClr val="dk1"/>
+            </a:lnRef>
+            <a:fillRef idx="0">
+              <a:schemeClr val="dk1"/>
+            </a:fillRef>
+            <a:effectRef idx="1">
+              <a:schemeClr val="dk1"/>
+            </a:effectRef>
+            <a:fontRef idx="minor">
+              <a:schemeClr val="tx1"/>
+            </a:fontRef>
+          </p:style>
+        </p:cxnSp>
+        <p:cxnSp>
+          <p:nvCxnSpPr>
+            <p:cNvPr id="7" name="Lige forbindelse 6">
+              <a:extLst>
+                <a:ext uri="{FF2B5EF4-FFF2-40B4-BE49-F238E27FC236}">
+                  <a16:creationId xmlns:a16="http://schemas.microsoft.com/office/drawing/2014/main" id="{36B51CDC-217A-4714-C777-911619911A07}"/>
+                </a:ext>
+              </a:extLst>
+            </p:cNvPr>
+            <p:cNvCxnSpPr/>
+            <p:nvPr/>
+          </p:nvCxnSpPr>
+          <p:spPr>
+            <a:xfrm>
+              <a:off x="3823770" y="2531795"/>
+              <a:ext cx="540000" cy="0"/>
+            </a:xfrm>
+            <a:prstGeom prst="line">
+              <a:avLst/>
+            </a:prstGeom>
+            <a:ln w="12700">
+              <a:solidFill>
+                <a:schemeClr val="tx1"/>
+              </a:solidFill>
+            </a:ln>
+          </p:spPr>
+          <p:style>
+            <a:lnRef idx="2">
+              <a:schemeClr val="accent1"/>
+            </a:lnRef>
+            <a:fillRef idx="0">
+              <a:schemeClr val="accent1"/>
+            </a:fillRef>
+            <a:effectRef idx="1">
+              <a:schemeClr val="accent1"/>
+            </a:effectRef>
+            <a:fontRef idx="minor">
+              <a:schemeClr val="tx1"/>
+            </a:fontRef>
+          </p:style>
+        </p:cxnSp>
+        <p:cxnSp>
+          <p:nvCxnSpPr>
+            <p:cNvPr id="8" name="Lige forbindelse 7">
+              <a:extLst>
+                <a:ext uri="{FF2B5EF4-FFF2-40B4-BE49-F238E27FC236}">
+                  <a16:creationId xmlns:a16="http://schemas.microsoft.com/office/drawing/2014/main" id="{47051F1A-FE05-4876-70D4-CA85105ACE9F}"/>
+                </a:ext>
+              </a:extLst>
+            </p:cNvPr>
+            <p:cNvCxnSpPr>
+              <a:cxnSpLocks/>
+            </p:cNvCxnSpPr>
+            <p:nvPr/>
+          </p:nvCxnSpPr>
+          <p:spPr>
+            <a:xfrm rot="-2100000">
+              <a:off x="4346946" y="2338162"/>
+              <a:ext cx="252000" cy="0"/>
+            </a:xfrm>
+            <a:prstGeom prst="line">
+              <a:avLst/>
+            </a:prstGeom>
+            <a:ln w="12700">
+              <a:solidFill>
+                <a:schemeClr val="tx1"/>
+              </a:solidFill>
+            </a:ln>
+          </p:spPr>
+          <p:style>
+            <a:lnRef idx="2">
+              <a:schemeClr val="accent1"/>
+            </a:lnRef>
+            <a:fillRef idx="0">
+              <a:schemeClr val="accent1"/>
+            </a:fillRef>
+            <a:effectRef idx="1">
+              <a:schemeClr val="accent1"/>
+            </a:effectRef>
+            <a:fontRef idx="minor">
+              <a:schemeClr val="tx1"/>
+            </a:fontRef>
+          </p:style>
+        </p:cxnSp>
+        <p:cxnSp>
+          <p:nvCxnSpPr>
+            <p:cNvPr id="9" name="Lige forbindelse 8">
+              <a:extLst>
+                <a:ext uri="{FF2B5EF4-FFF2-40B4-BE49-F238E27FC236}">
+                  <a16:creationId xmlns:a16="http://schemas.microsoft.com/office/drawing/2014/main" id="{1103DAFA-4BBE-F508-52A3-B8A652274D97}"/>
+                </a:ext>
+              </a:extLst>
+            </p:cNvPr>
+            <p:cNvCxnSpPr>
+              <a:cxnSpLocks/>
+            </p:cNvCxnSpPr>
+            <p:nvPr/>
+          </p:nvCxnSpPr>
+          <p:spPr>
+            <a:xfrm rot="5400000">
+              <a:off x="4451722" y="2142899"/>
+              <a:ext cx="252000" cy="0"/>
+            </a:xfrm>
+            <a:prstGeom prst="line">
+              <a:avLst/>
+            </a:prstGeom>
+            <a:ln w="12700">
+              <a:solidFill>
+                <a:schemeClr val="tx1"/>
+              </a:solidFill>
+            </a:ln>
+          </p:spPr>
+          <p:style>
+            <a:lnRef idx="2">
+              <a:schemeClr val="accent1"/>
+            </a:lnRef>
+            <a:fillRef idx="0">
+              <a:schemeClr val="accent1"/>
+            </a:fillRef>
+            <a:effectRef idx="1">
+              <a:schemeClr val="accent1"/>
+            </a:effectRef>
+            <a:fontRef idx="minor">
+              <a:schemeClr val="tx1"/>
+            </a:fontRef>
+          </p:style>
+        </p:cxnSp>
+        <p:cxnSp>
+          <p:nvCxnSpPr>
+            <p:cNvPr id="10" name="Lige pilforbindelse 9">
+              <a:extLst>
+                <a:ext uri="{FF2B5EF4-FFF2-40B4-BE49-F238E27FC236}">
+                  <a16:creationId xmlns:a16="http://schemas.microsoft.com/office/drawing/2014/main" id="{4C8AC2D1-CD0D-CE9B-FB46-739E1D2A4714}"/>
+                </a:ext>
+              </a:extLst>
+            </p:cNvPr>
+            <p:cNvCxnSpPr>
+              <a:cxnSpLocks/>
+            </p:cNvCxnSpPr>
+            <p:nvPr/>
+          </p:nvCxnSpPr>
+          <p:spPr>
+            <a:xfrm rot="2100000">
+              <a:off x="4349357" y="2704864"/>
+              <a:ext cx="262800" cy="0"/>
+            </a:xfrm>
+            <a:prstGeom prst="straightConnector1">
+              <a:avLst/>
+            </a:prstGeom>
+            <a:ln w="12700">
+              <a:solidFill>
+                <a:schemeClr val="tx1"/>
+              </a:solidFill>
+              <a:tailEnd type="triangle"/>
+            </a:ln>
+          </p:spPr>
+          <p:style>
+            <a:lnRef idx="2">
+              <a:schemeClr val="accent1"/>
+            </a:lnRef>
+            <a:fillRef idx="0">
+              <a:schemeClr val="accent1"/>
+            </a:fillRef>
+            <a:effectRef idx="1">
+              <a:schemeClr val="accent1"/>
+            </a:effectRef>
+            <a:fontRef idx="minor">
+              <a:schemeClr val="tx1"/>
+            </a:fontRef>
+          </p:style>
+        </p:cxnSp>
+        <p:cxnSp>
+          <p:nvCxnSpPr>
+            <p:cNvPr id="11" name="Lige forbindelse 10">
+              <a:extLst>
+                <a:ext uri="{FF2B5EF4-FFF2-40B4-BE49-F238E27FC236}">
+                  <a16:creationId xmlns:a16="http://schemas.microsoft.com/office/drawing/2014/main" id="{7A4F5732-4ECD-68E1-BA3D-4F242D9D247F}"/>
+                </a:ext>
+              </a:extLst>
+            </p:cNvPr>
+            <p:cNvCxnSpPr>
+              <a:cxnSpLocks/>
+            </p:cNvCxnSpPr>
+            <p:nvPr/>
+          </p:nvCxnSpPr>
+          <p:spPr>
+            <a:xfrm rot="5400000">
+              <a:off x="4451718" y="2892994"/>
+              <a:ext cx="252000" cy="0"/>
+            </a:xfrm>
+            <a:prstGeom prst="line">
+              <a:avLst/>
+            </a:prstGeom>
+            <a:ln w="12700">
+              <a:solidFill>
+                <a:schemeClr val="tx1"/>
+              </a:solidFill>
+            </a:ln>
+          </p:spPr>
+          <p:style>
+            <a:lnRef idx="2">
+              <a:schemeClr val="accent1"/>
+            </a:lnRef>
+            <a:fillRef idx="0">
+              <a:schemeClr val="accent1"/>
+            </a:fillRef>
+            <a:effectRef idx="1">
+              <a:schemeClr val="accent1"/>
+            </a:effectRef>
+            <a:fontRef idx="minor">
+              <a:schemeClr val="tx1"/>
+            </a:fontRef>
+          </p:style>
+        </p:cxnSp>
+      </p:grpSp>
+      <p:grpSp>
+        <p:nvGrpSpPr>
+          <p:cNvPr id="12" name="Gruppe 11">
+            <a:extLst>
+              <a:ext uri="{FF2B5EF4-FFF2-40B4-BE49-F238E27FC236}">
+                <a16:creationId xmlns:a16="http://schemas.microsoft.com/office/drawing/2014/main" id="{4659346B-0D37-4443-8AED-2013FD4561DA}"/>
+              </a:ext>
+            </a:extLst>
+          </p:cNvPr>
+          <p:cNvGrpSpPr/>
+          <p:nvPr/>
+        </p:nvGrpSpPr>
+        <p:grpSpPr>
+          <a:xfrm>
+            <a:off x="3454122" y="1551002"/>
+            <a:ext cx="1146299" cy="502487"/>
+            <a:chOff x="1282714" y="1281925"/>
+            <a:chExt cx="1146299" cy="502487"/>
+          </a:xfrm>
+        </p:grpSpPr>
+        <p:grpSp>
+          <p:nvGrpSpPr>
+            <p:cNvPr id="13" name="Gruppe 12">
+              <a:extLst>
+                <a:ext uri="{FF2B5EF4-FFF2-40B4-BE49-F238E27FC236}">
+                  <a16:creationId xmlns:a16="http://schemas.microsoft.com/office/drawing/2014/main" id="{BC241088-FFD8-3B3D-3397-68E95B33A266}"/>
+                </a:ext>
+              </a:extLst>
+            </p:cNvPr>
+            <p:cNvGrpSpPr/>
+            <p:nvPr/>
+          </p:nvGrpSpPr>
+          <p:grpSpPr>
+            <a:xfrm>
+              <a:off x="1282714" y="1606858"/>
+              <a:ext cx="1096502" cy="177554"/>
+              <a:chOff x="1282714" y="1606858"/>
+              <a:chExt cx="1096502" cy="177554"/>
+            </a:xfrm>
+          </p:grpSpPr>
+          <p:sp>
+            <p:nvSpPr>
+              <p:cNvPr id="15" name="Rektangel 14">
+                <a:extLst>
+                  <a:ext uri="{FF2B5EF4-FFF2-40B4-BE49-F238E27FC236}">
+                    <a16:creationId xmlns:a16="http://schemas.microsoft.com/office/drawing/2014/main" id="{F0EC72C6-E487-683C-19C2-B31E3D20978C}"/>
+                  </a:ext>
+                </a:extLst>
+              </p:cNvPr>
+              <p:cNvSpPr/>
+              <p:nvPr/>
+            </p:nvSpPr>
+            <p:spPr>
+              <a:xfrm>
+                <a:off x="1518082" y="1606858"/>
+                <a:ext cx="665825" cy="177554"/>
+              </a:xfrm>
+              <a:prstGeom prst="rect">
+                <a:avLst/>
+              </a:prstGeom>
+              <a:noFill/>
+              <a:ln w="12700">
+                <a:solidFill>
+                  <a:schemeClr val="tx1"/>
+                </a:solidFill>
+              </a:ln>
+            </p:spPr>
+            <p:style>
+              <a:lnRef idx="2">
+                <a:schemeClr val="accent1">
+                  <a:shade val="15000"/>
+                </a:schemeClr>
+              </a:lnRef>
+              <a:fillRef idx="1">
+                <a:schemeClr val="accent1"/>
+              </a:fillRef>
+              <a:effectRef idx="0">
+                <a:schemeClr val="accent1"/>
+              </a:effectRef>
+              <a:fontRef idx="minor">
+                <a:schemeClr val="lt1"/>
+              </a:fontRef>
+            </p:style>
+            <p:txBody>
+              <a:bodyPr rtlCol="0" anchor="ctr"/>
+              <a:lstStyle/>
+              <a:p>
+                <a:pPr algn="ctr"/>
+                <a:endParaRPr lang="da-DK"/>
+              </a:p>
+            </p:txBody>
+          </p:sp>
+          <p:cxnSp>
+            <p:nvCxnSpPr>
+              <p:cNvPr id="16" name="Lige forbindelse 15">
+                <a:extLst>
+                  <a:ext uri="{FF2B5EF4-FFF2-40B4-BE49-F238E27FC236}">
+                    <a16:creationId xmlns:a16="http://schemas.microsoft.com/office/drawing/2014/main" id="{E0792B05-69AA-0C52-FA65-675DE014E2D1}"/>
+                  </a:ext>
+                </a:extLst>
+              </p:cNvPr>
+              <p:cNvCxnSpPr>
+                <a:cxnSpLocks/>
+                <a:stCxn id="15" idx="3"/>
+              </p:cNvCxnSpPr>
+              <p:nvPr/>
+            </p:nvCxnSpPr>
+            <p:spPr>
+              <a:xfrm>
+                <a:off x="2183907" y="1695635"/>
+                <a:ext cx="195309" cy="0"/>
+              </a:xfrm>
+              <a:prstGeom prst="line">
+                <a:avLst/>
+              </a:prstGeom>
+              <a:ln w="12700">
+                <a:solidFill>
+                  <a:schemeClr val="tx1"/>
+                </a:solidFill>
+              </a:ln>
+            </p:spPr>
+            <p:style>
+              <a:lnRef idx="2">
+                <a:schemeClr val="accent1"/>
+              </a:lnRef>
+              <a:fillRef idx="0">
+                <a:schemeClr val="accent1"/>
+              </a:fillRef>
+              <a:effectRef idx="1">
+                <a:schemeClr val="accent1"/>
+              </a:effectRef>
+              <a:fontRef idx="minor">
+                <a:schemeClr val="tx1"/>
+              </a:fontRef>
+            </p:style>
+          </p:cxnSp>
+          <p:cxnSp>
+            <p:nvCxnSpPr>
+              <p:cNvPr id="17" name="Lige forbindelse 16">
+                <a:extLst>
+                  <a:ext uri="{FF2B5EF4-FFF2-40B4-BE49-F238E27FC236}">
+                    <a16:creationId xmlns:a16="http://schemas.microsoft.com/office/drawing/2014/main" id="{AAEFBA45-3797-CAAD-996B-F7B4948FE3E6}"/>
+                  </a:ext>
+                </a:extLst>
+              </p:cNvPr>
+              <p:cNvCxnSpPr>
+                <a:cxnSpLocks/>
+              </p:cNvCxnSpPr>
+              <p:nvPr/>
+            </p:nvCxnSpPr>
+            <p:spPr>
+              <a:xfrm rot="16200000">
+                <a:off x="1399951" y="1585490"/>
+                <a:ext cx="0" cy="234474"/>
+              </a:xfrm>
+              <a:prstGeom prst="line">
+                <a:avLst/>
+              </a:prstGeom>
+              <a:ln w="12700">
+                <a:solidFill>
+                  <a:schemeClr val="tx1"/>
+                </a:solidFill>
+              </a:ln>
+            </p:spPr>
+            <p:style>
+              <a:lnRef idx="2">
+                <a:schemeClr val="accent1"/>
+              </a:lnRef>
+              <a:fillRef idx="0">
+                <a:schemeClr val="accent1"/>
+              </a:fillRef>
+              <a:effectRef idx="1">
+                <a:schemeClr val="accent1"/>
+              </a:effectRef>
+              <a:fontRef idx="minor">
+                <a:schemeClr val="tx1"/>
+              </a:fontRef>
+            </p:style>
+          </p:cxnSp>
+        </p:grpSp>
+        <p:sp>
+          <p:nvSpPr>
+            <p:cNvPr id="14" name="Tekstfelt 13">
+              <a:extLst>
+                <a:ext uri="{FF2B5EF4-FFF2-40B4-BE49-F238E27FC236}">
+                  <a16:creationId xmlns:a16="http://schemas.microsoft.com/office/drawing/2014/main" id="{0B7F12FF-CC6C-749A-2AAB-0321E780E110}"/>
+                </a:ext>
+              </a:extLst>
+            </p:cNvPr>
+            <p:cNvSpPr txBox="1"/>
+            <p:nvPr/>
+          </p:nvSpPr>
+          <p:spPr>
+            <a:xfrm>
+              <a:off x="1407759" y="1281925"/>
+              <a:ext cx="1021254" cy="276999"/>
+            </a:xfrm>
+            <a:prstGeom prst="rect">
+              <a:avLst/>
+            </a:prstGeom>
+            <a:noFill/>
+          </p:spPr>
+          <p:txBody>
+            <a:bodyPr wrap="square" rtlCol="0">
+              <a:spAutoFit/>
+            </a:bodyPr>
+            <a:lstStyle/>
+            <a:p>
+              <a:r>
+                <a:rPr lang="da-DK" sz="1200" dirty="0" err="1"/>
+                <a:t>Rs</a:t>
+              </a:r>
+              <a:r>
+                <a:rPr lang="da-DK" sz="1200" dirty="0"/>
+                <a:t> = 500</a:t>
+              </a:r>
+              <a:r>
+                <a:rPr lang="el-GR" sz="1200" dirty="0"/>
+                <a:t>Ω</a:t>
+              </a:r>
+              <a:endParaRPr lang="da-DK" sz="1200" dirty="0"/>
+            </a:p>
+          </p:txBody>
+        </p:sp>
+      </p:grpSp>
+      <p:grpSp>
+        <p:nvGrpSpPr>
+          <p:cNvPr id="21" name="Gruppe 20">
+            <a:extLst>
+              <a:ext uri="{FF2B5EF4-FFF2-40B4-BE49-F238E27FC236}">
+                <a16:creationId xmlns:a16="http://schemas.microsoft.com/office/drawing/2014/main" id="{3191E2CA-782A-35B2-0BB2-895594922AA7}"/>
+              </a:ext>
+            </a:extLst>
+          </p:cNvPr>
+          <p:cNvGrpSpPr/>
+          <p:nvPr/>
+        </p:nvGrpSpPr>
+        <p:grpSpPr>
+          <a:xfrm rot="5400000">
+            <a:off x="3949913" y="2507834"/>
+            <a:ext cx="1096502" cy="1198808"/>
+            <a:chOff x="1282714" y="585604"/>
+            <a:chExt cx="1096502" cy="1198808"/>
+          </a:xfrm>
+        </p:grpSpPr>
+        <p:grpSp>
+          <p:nvGrpSpPr>
+            <p:cNvPr id="22" name="Gruppe 21">
+              <a:extLst>
+                <a:ext uri="{FF2B5EF4-FFF2-40B4-BE49-F238E27FC236}">
+                  <a16:creationId xmlns:a16="http://schemas.microsoft.com/office/drawing/2014/main" id="{9CC9CC56-0DDB-B897-3FF4-8DD68A2C2199}"/>
+                </a:ext>
+              </a:extLst>
+            </p:cNvPr>
+            <p:cNvGrpSpPr/>
+            <p:nvPr/>
+          </p:nvGrpSpPr>
+          <p:grpSpPr>
+            <a:xfrm>
+              <a:off x="1282714" y="1606858"/>
+              <a:ext cx="1096502" cy="177554"/>
+              <a:chOff x="1282714" y="1606858"/>
+              <a:chExt cx="1096502" cy="177554"/>
+            </a:xfrm>
+          </p:grpSpPr>
+          <p:sp>
+            <p:nvSpPr>
+              <p:cNvPr id="24" name="Rektangel 23">
+                <a:extLst>
+                  <a:ext uri="{FF2B5EF4-FFF2-40B4-BE49-F238E27FC236}">
+                    <a16:creationId xmlns:a16="http://schemas.microsoft.com/office/drawing/2014/main" id="{9512FC66-5C18-ED4E-DAA8-C775D5B63CA1}"/>
+                  </a:ext>
+                </a:extLst>
+              </p:cNvPr>
+              <p:cNvSpPr/>
+              <p:nvPr/>
+            </p:nvSpPr>
+            <p:spPr>
+              <a:xfrm>
+                <a:off x="1518082" y="1606858"/>
+                <a:ext cx="665825" cy="177554"/>
+              </a:xfrm>
+              <a:prstGeom prst="rect">
+                <a:avLst/>
+              </a:prstGeom>
+              <a:noFill/>
+              <a:ln w="12700">
+                <a:solidFill>
+                  <a:schemeClr val="tx1"/>
+                </a:solidFill>
+              </a:ln>
+            </p:spPr>
+            <p:style>
+              <a:lnRef idx="2">
+                <a:schemeClr val="accent1">
+                  <a:shade val="15000"/>
+                </a:schemeClr>
+              </a:lnRef>
+              <a:fillRef idx="1">
+                <a:schemeClr val="accent1"/>
+              </a:fillRef>
+              <a:effectRef idx="0">
+                <a:schemeClr val="accent1"/>
+              </a:effectRef>
+              <a:fontRef idx="minor">
+                <a:schemeClr val="lt1"/>
+              </a:fontRef>
+            </p:style>
+            <p:txBody>
+              <a:bodyPr rtlCol="0" anchor="ctr"/>
+              <a:lstStyle/>
+              <a:p>
+                <a:pPr algn="ctr"/>
+                <a:endParaRPr lang="da-DK"/>
+              </a:p>
+            </p:txBody>
+          </p:sp>
+          <p:cxnSp>
+            <p:nvCxnSpPr>
+              <p:cNvPr id="25" name="Lige forbindelse 24">
+                <a:extLst>
+                  <a:ext uri="{FF2B5EF4-FFF2-40B4-BE49-F238E27FC236}">
+                    <a16:creationId xmlns:a16="http://schemas.microsoft.com/office/drawing/2014/main" id="{8A4D5787-C10B-6F90-657B-592FAF40DF6D}"/>
+                  </a:ext>
+                </a:extLst>
+              </p:cNvPr>
+              <p:cNvCxnSpPr>
+                <a:cxnSpLocks/>
+                <a:stCxn id="24" idx="3"/>
+              </p:cNvCxnSpPr>
+              <p:nvPr/>
+            </p:nvCxnSpPr>
+            <p:spPr>
+              <a:xfrm>
+                <a:off x="2183907" y="1695635"/>
+                <a:ext cx="195309" cy="0"/>
+              </a:xfrm>
+              <a:prstGeom prst="line">
+                <a:avLst/>
+              </a:prstGeom>
+              <a:ln w="12700">
+                <a:solidFill>
+                  <a:schemeClr val="tx1"/>
+                </a:solidFill>
+              </a:ln>
+            </p:spPr>
+            <p:style>
+              <a:lnRef idx="2">
+                <a:schemeClr val="accent1"/>
+              </a:lnRef>
+              <a:fillRef idx="0">
+                <a:schemeClr val="accent1"/>
+              </a:fillRef>
+              <a:effectRef idx="1">
+                <a:schemeClr val="accent1"/>
+              </a:effectRef>
+              <a:fontRef idx="minor">
+                <a:schemeClr val="tx1"/>
+              </a:fontRef>
+            </p:style>
+          </p:cxnSp>
+          <p:cxnSp>
+            <p:nvCxnSpPr>
+              <p:cNvPr id="26" name="Lige forbindelse 25">
+                <a:extLst>
+                  <a:ext uri="{FF2B5EF4-FFF2-40B4-BE49-F238E27FC236}">
+                    <a16:creationId xmlns:a16="http://schemas.microsoft.com/office/drawing/2014/main" id="{C37FD363-0490-689D-8B20-D69A5928C4E6}"/>
+                  </a:ext>
+                </a:extLst>
+              </p:cNvPr>
+              <p:cNvCxnSpPr>
+                <a:cxnSpLocks/>
+              </p:cNvCxnSpPr>
+              <p:nvPr/>
+            </p:nvCxnSpPr>
+            <p:spPr>
+              <a:xfrm rot="16200000">
+                <a:off x="1399951" y="1585490"/>
+                <a:ext cx="0" cy="234474"/>
+              </a:xfrm>
+              <a:prstGeom prst="line">
+                <a:avLst/>
+              </a:prstGeom>
+              <a:ln w="12700">
+                <a:solidFill>
+                  <a:schemeClr val="tx1"/>
+                </a:solidFill>
+              </a:ln>
+            </p:spPr>
+            <p:style>
+              <a:lnRef idx="2">
+                <a:schemeClr val="accent1"/>
+              </a:lnRef>
+              <a:fillRef idx="0">
+                <a:schemeClr val="accent1"/>
+              </a:fillRef>
+              <a:effectRef idx="1">
+                <a:schemeClr val="accent1"/>
+              </a:effectRef>
+              <a:fontRef idx="minor">
+                <a:schemeClr val="tx1"/>
+              </a:fontRef>
+            </p:style>
+          </p:cxnSp>
+        </p:grpSp>
+        <p:sp>
+          <p:nvSpPr>
+            <p:cNvPr id="23" name="Tekstfelt 22">
+              <a:extLst>
+                <a:ext uri="{FF2B5EF4-FFF2-40B4-BE49-F238E27FC236}">
+                  <a16:creationId xmlns:a16="http://schemas.microsoft.com/office/drawing/2014/main" id="{F02970CF-9C29-E17B-8780-78F1D2797E45}"/>
+                </a:ext>
+              </a:extLst>
+            </p:cNvPr>
+            <p:cNvSpPr txBox="1"/>
+            <p:nvPr/>
+          </p:nvSpPr>
+          <p:spPr>
+            <a:xfrm rot="16200000">
+              <a:off x="1372823" y="957731"/>
+              <a:ext cx="1021254" cy="276999"/>
+            </a:xfrm>
+            <a:prstGeom prst="rect">
+              <a:avLst/>
+            </a:prstGeom>
+            <a:noFill/>
+          </p:spPr>
+          <p:txBody>
+            <a:bodyPr wrap="square" rtlCol="0">
+              <a:spAutoFit/>
+            </a:bodyPr>
+            <a:lstStyle/>
+            <a:p>
+              <a:r>
+                <a:rPr lang="da-DK" sz="1200" dirty="0"/>
+                <a:t>RL = 500</a:t>
+              </a:r>
+              <a:r>
+                <a:rPr lang="el-GR" sz="1200" dirty="0"/>
+                <a:t>Ω</a:t>
+              </a:r>
+              <a:endParaRPr lang="da-DK" sz="1200" dirty="0"/>
+            </a:p>
+          </p:txBody>
+        </p:sp>
+      </p:grpSp>
+      <p:grpSp>
+        <p:nvGrpSpPr>
+          <p:cNvPr id="99" name="Gruppe 98">
+            <a:extLst>
+              <a:ext uri="{FF2B5EF4-FFF2-40B4-BE49-F238E27FC236}">
+                <a16:creationId xmlns:a16="http://schemas.microsoft.com/office/drawing/2014/main" id="{ADECA487-CD39-8C97-8E51-D63C4EBE6FDD}"/>
+              </a:ext>
+            </a:extLst>
+          </p:cNvPr>
+          <p:cNvGrpSpPr/>
+          <p:nvPr/>
+        </p:nvGrpSpPr>
+        <p:grpSpPr>
+          <a:xfrm>
+            <a:off x="267574" y="1627324"/>
+            <a:ext cx="746229" cy="1499788"/>
+            <a:chOff x="7291739" y="2286299"/>
+            <a:chExt cx="746229" cy="1499788"/>
+          </a:xfrm>
+        </p:grpSpPr>
+        <p:grpSp>
+          <p:nvGrpSpPr>
+            <p:cNvPr id="98" name="Gruppe 97">
+              <a:extLst>
+                <a:ext uri="{FF2B5EF4-FFF2-40B4-BE49-F238E27FC236}">
+                  <a16:creationId xmlns:a16="http://schemas.microsoft.com/office/drawing/2014/main" id="{179A840E-362F-E48B-0AEA-0A6F77215F14}"/>
+                </a:ext>
+              </a:extLst>
+            </p:cNvPr>
+            <p:cNvGrpSpPr/>
+            <p:nvPr/>
+          </p:nvGrpSpPr>
+          <p:grpSpPr>
+            <a:xfrm>
+              <a:off x="7291739" y="2849345"/>
+              <a:ext cx="746229" cy="936742"/>
+              <a:chOff x="7291739" y="2849345"/>
+              <a:chExt cx="746229" cy="936742"/>
+            </a:xfrm>
+          </p:grpSpPr>
+          <p:grpSp>
+            <p:nvGrpSpPr>
+              <p:cNvPr id="67" name="Gruppe 66">
+                <a:extLst>
+                  <a:ext uri="{FF2B5EF4-FFF2-40B4-BE49-F238E27FC236}">
+                    <a16:creationId xmlns:a16="http://schemas.microsoft.com/office/drawing/2014/main" id="{B1E53246-E961-0E1F-E80C-26AFEAF45176}"/>
+                  </a:ext>
+                </a:extLst>
+              </p:cNvPr>
+              <p:cNvGrpSpPr/>
+              <p:nvPr/>
+            </p:nvGrpSpPr>
+            <p:grpSpPr>
+              <a:xfrm>
+                <a:off x="7291739" y="3103270"/>
+                <a:ext cx="746229" cy="499043"/>
+                <a:chOff x="789479" y="2256503"/>
+                <a:chExt cx="746229" cy="499043"/>
+              </a:xfrm>
+            </p:grpSpPr>
+            <p:sp>
+              <p:nvSpPr>
+                <p:cNvPr id="68" name="Rutediagram: Forbindelse 67">
+                  <a:extLst>
+                    <a:ext uri="{FF2B5EF4-FFF2-40B4-BE49-F238E27FC236}">
+                      <a16:creationId xmlns:a16="http://schemas.microsoft.com/office/drawing/2014/main" id="{40E9CAC6-69CC-4EE4-6673-8AE7702F0009}"/>
+                    </a:ext>
+                  </a:extLst>
+                </p:cNvPr>
+                <p:cNvSpPr/>
+                <p:nvPr/>
+              </p:nvSpPr>
+              <p:spPr>
+                <a:xfrm>
+                  <a:off x="1108047" y="2256503"/>
+                  <a:ext cx="427661" cy="428273"/>
+                </a:xfrm>
+                <a:prstGeom prst="flowChartConnector">
+                  <a:avLst/>
+                </a:prstGeom>
+                <a:noFill/>
+                <a:ln w="12700">
+                  <a:solidFill>
+                    <a:schemeClr val="tx1"/>
+                  </a:solidFill>
+                </a:ln>
+              </p:spPr>
+              <p:style>
+                <a:lnRef idx="2">
+                  <a:schemeClr val="accent1">
+                    <a:shade val="15000"/>
+                  </a:schemeClr>
+                </a:lnRef>
+                <a:fillRef idx="1">
+                  <a:schemeClr val="accent1"/>
+                </a:fillRef>
+                <a:effectRef idx="0">
+                  <a:schemeClr val="accent1"/>
+                </a:effectRef>
+                <a:fontRef idx="minor">
+                  <a:schemeClr val="lt1"/>
+                </a:fontRef>
+              </p:style>
+              <p:txBody>
+                <a:bodyPr rtlCol="0" anchor="ctr"/>
+                <a:lstStyle/>
+                <a:p>
+                  <a:pPr algn="ctr"/>
+                  <a:endParaRPr lang="da-DK"/>
+                </a:p>
+              </p:txBody>
+            </p:sp>
+            <p:sp>
+              <p:nvSpPr>
+                <p:cNvPr id="69" name="Tekstfelt 68">
+                  <a:extLst>
+                    <a:ext uri="{FF2B5EF4-FFF2-40B4-BE49-F238E27FC236}">
+                      <a16:creationId xmlns:a16="http://schemas.microsoft.com/office/drawing/2014/main" id="{314126BF-0797-04B0-8125-C841AB0E158F}"/>
+                    </a:ext>
+                  </a:extLst>
+                </p:cNvPr>
+                <p:cNvSpPr txBox="1"/>
+                <p:nvPr/>
+              </p:nvSpPr>
+              <p:spPr>
+                <a:xfrm>
+                  <a:off x="789479" y="2293881"/>
+                  <a:ext cx="449824" cy="461665"/>
+                </a:xfrm>
+                <a:prstGeom prst="rect">
+                  <a:avLst/>
+                </a:prstGeom>
+                <a:noFill/>
+              </p:spPr>
+              <p:txBody>
+                <a:bodyPr wrap="square" rtlCol="0">
+                  <a:spAutoFit/>
+                </a:bodyPr>
+                <a:lstStyle/>
+                <a:p>
+                  <a:r>
+                    <a:rPr lang="da-DK" sz="1200" dirty="0" err="1"/>
+                    <a:t>Vs</a:t>
+                  </a:r>
+                  <a:br>
+                    <a:rPr lang="da-DK" sz="1200" dirty="0"/>
+                  </a:br>
+                  <a:endParaRPr lang="da-DK" sz="1200" dirty="0"/>
+                </a:p>
+              </p:txBody>
+            </p:sp>
+          </p:grpSp>
+          <p:cxnSp>
+            <p:nvCxnSpPr>
+              <p:cNvPr id="70" name="Lige forbindelse 69">
+                <a:extLst>
+                  <a:ext uri="{FF2B5EF4-FFF2-40B4-BE49-F238E27FC236}">
+                    <a16:creationId xmlns:a16="http://schemas.microsoft.com/office/drawing/2014/main" id="{C7872870-1EC1-EEFF-33E6-7E8B1978D153}"/>
+                  </a:ext>
+                </a:extLst>
+              </p:cNvPr>
+              <p:cNvCxnSpPr>
+                <a:cxnSpLocks/>
+              </p:cNvCxnSpPr>
+              <p:nvPr/>
+            </p:nvCxnSpPr>
+            <p:spPr>
+              <a:xfrm flipH="1">
+                <a:off x="7824137" y="3534087"/>
+                <a:ext cx="0" cy="252000"/>
+              </a:xfrm>
+              <a:prstGeom prst="line">
+                <a:avLst/>
+              </a:prstGeom>
+              <a:ln w="12700">
+                <a:solidFill>
+                  <a:schemeClr val="tx1"/>
+                </a:solidFill>
+              </a:ln>
+            </p:spPr>
+            <p:style>
+              <a:lnRef idx="2">
+                <a:schemeClr val="accent1"/>
+              </a:lnRef>
+              <a:fillRef idx="0">
+                <a:schemeClr val="accent1"/>
+              </a:fillRef>
+              <a:effectRef idx="1">
+                <a:schemeClr val="accent1"/>
+              </a:effectRef>
+              <a:fontRef idx="minor">
+                <a:schemeClr val="tx1"/>
+              </a:fontRef>
+            </p:style>
+          </p:cxnSp>
+          <p:sp>
+            <p:nvSpPr>
+              <p:cNvPr id="71" name="Tekstfelt 70">
+                <a:extLst>
+                  <a:ext uri="{FF2B5EF4-FFF2-40B4-BE49-F238E27FC236}">
+                    <a16:creationId xmlns:a16="http://schemas.microsoft.com/office/drawing/2014/main" id="{7536BFCB-6819-6C5E-BE80-C8883E2E9637}"/>
+                  </a:ext>
+                </a:extLst>
+              </p:cNvPr>
+              <p:cNvSpPr txBox="1"/>
+              <p:nvPr/>
+            </p:nvSpPr>
+            <p:spPr>
+              <a:xfrm>
+                <a:off x="7606539" y="2968279"/>
+                <a:ext cx="400302" cy="707886"/>
+              </a:xfrm>
+              <a:prstGeom prst="rect">
+                <a:avLst/>
+              </a:prstGeom>
+              <a:noFill/>
+            </p:spPr>
+            <p:txBody>
+              <a:bodyPr wrap="square" rtlCol="0">
+                <a:spAutoFit/>
+              </a:bodyPr>
+              <a:lstStyle/>
+              <a:p>
+                <a:r>
+                  <a:rPr lang="da-DK" sz="4000" dirty="0"/>
+                  <a:t>~</a:t>
+                </a:r>
+              </a:p>
+            </p:txBody>
+          </p:sp>
+          <p:sp>
+            <p:nvSpPr>
+              <p:cNvPr id="72" name="Tekstfelt 71">
+                <a:extLst>
+                  <a:ext uri="{FF2B5EF4-FFF2-40B4-BE49-F238E27FC236}">
+                    <a16:creationId xmlns:a16="http://schemas.microsoft.com/office/drawing/2014/main" id="{D4A1D1E0-B2D6-F419-94AA-91DFCEEF526C}"/>
+                  </a:ext>
+                </a:extLst>
+              </p:cNvPr>
+              <p:cNvSpPr txBox="1"/>
+              <p:nvPr/>
+            </p:nvSpPr>
+            <p:spPr>
+              <a:xfrm>
+                <a:off x="7589798" y="2849345"/>
+                <a:ext cx="258345" cy="276999"/>
+              </a:xfrm>
+              <a:prstGeom prst="rect">
+                <a:avLst/>
+              </a:prstGeom>
+              <a:noFill/>
+            </p:spPr>
+            <p:txBody>
+              <a:bodyPr wrap="square" rtlCol="0">
+                <a:spAutoFit/>
+              </a:bodyPr>
+              <a:lstStyle/>
+              <a:p>
+                <a:r>
+                  <a:rPr lang="da-DK" sz="1200" dirty="0"/>
+                  <a:t>+</a:t>
+                </a:r>
+              </a:p>
+            </p:txBody>
+          </p:sp>
+          <p:sp>
+            <p:nvSpPr>
+              <p:cNvPr id="73" name="Tekstfelt 72">
+                <a:extLst>
+                  <a:ext uri="{FF2B5EF4-FFF2-40B4-BE49-F238E27FC236}">
+                    <a16:creationId xmlns:a16="http://schemas.microsoft.com/office/drawing/2014/main" id="{BB4836A8-9FDD-6447-7E9C-3441C16C2B98}"/>
+                  </a:ext>
+                </a:extLst>
+              </p:cNvPr>
+              <p:cNvSpPr txBox="1"/>
+              <p:nvPr/>
+            </p:nvSpPr>
+            <p:spPr>
+              <a:xfrm>
+                <a:off x="7617895" y="3499874"/>
+                <a:ext cx="247335" cy="276999"/>
+              </a:xfrm>
+              <a:prstGeom prst="rect">
+                <a:avLst/>
+              </a:prstGeom>
+              <a:noFill/>
+            </p:spPr>
+            <p:txBody>
+              <a:bodyPr wrap="square" rtlCol="0">
+                <a:spAutoFit/>
+              </a:bodyPr>
+              <a:lstStyle/>
+              <a:p>
+                <a:r>
+                  <a:rPr lang="da-DK" sz="1200" dirty="0"/>
+                  <a:t>-</a:t>
+                </a:r>
+              </a:p>
+            </p:txBody>
+          </p:sp>
+        </p:grpSp>
+        <p:cxnSp>
+          <p:nvCxnSpPr>
+            <p:cNvPr id="74" name="Lige forbindelse 73">
+              <a:extLst>
+                <a:ext uri="{FF2B5EF4-FFF2-40B4-BE49-F238E27FC236}">
+                  <a16:creationId xmlns:a16="http://schemas.microsoft.com/office/drawing/2014/main" id="{0E8A53D5-8EA4-62DE-5F0F-A2D047C761C6}"/>
+                </a:ext>
+              </a:extLst>
+            </p:cNvPr>
+            <p:cNvCxnSpPr>
+              <a:cxnSpLocks/>
+            </p:cNvCxnSpPr>
+            <p:nvPr/>
+          </p:nvCxnSpPr>
+          <p:spPr>
+            <a:xfrm flipH="1">
+              <a:off x="7824131" y="2286299"/>
+              <a:ext cx="0" cy="828000"/>
+            </a:xfrm>
+            <a:prstGeom prst="line">
+              <a:avLst/>
+            </a:prstGeom>
+            <a:ln w="12700">
+              <a:solidFill>
+                <a:schemeClr val="tx1"/>
+              </a:solidFill>
+            </a:ln>
+          </p:spPr>
+          <p:style>
+            <a:lnRef idx="2">
+              <a:schemeClr val="accent1"/>
+            </a:lnRef>
+            <a:fillRef idx="0">
+              <a:schemeClr val="accent1"/>
+            </a:fillRef>
+            <a:effectRef idx="1">
+              <a:schemeClr val="accent1"/>
+            </a:effectRef>
+            <a:fontRef idx="minor">
+              <a:schemeClr val="tx1"/>
+            </a:fontRef>
+          </p:style>
+        </p:cxnSp>
+      </p:grpSp>
+      <p:grpSp>
+        <p:nvGrpSpPr>
+          <p:cNvPr id="97" name="Gruppe 96">
+            <a:extLst>
+              <a:ext uri="{FF2B5EF4-FFF2-40B4-BE49-F238E27FC236}">
+                <a16:creationId xmlns:a16="http://schemas.microsoft.com/office/drawing/2014/main" id="{E365FDC8-FE82-754B-C473-11829F11CD79}"/>
+              </a:ext>
+            </a:extLst>
+          </p:cNvPr>
+          <p:cNvGrpSpPr/>
+          <p:nvPr/>
+        </p:nvGrpSpPr>
+        <p:grpSpPr>
+          <a:xfrm>
+            <a:off x="2578217" y="3486956"/>
+            <a:ext cx="543472" cy="580970"/>
+            <a:chOff x="3353907" y="766120"/>
+            <a:chExt cx="543472" cy="580970"/>
+          </a:xfrm>
+        </p:grpSpPr>
+        <p:grpSp>
+          <p:nvGrpSpPr>
+            <p:cNvPr id="80" name="Gruppe 79">
+              <a:extLst>
+                <a:ext uri="{FF2B5EF4-FFF2-40B4-BE49-F238E27FC236}">
+                  <a16:creationId xmlns:a16="http://schemas.microsoft.com/office/drawing/2014/main" id="{1EB74022-8507-9761-67F2-8FEB341EA489}"/>
+                </a:ext>
+              </a:extLst>
+            </p:cNvPr>
+            <p:cNvGrpSpPr/>
+            <p:nvPr/>
+          </p:nvGrpSpPr>
+          <p:grpSpPr>
+            <a:xfrm>
+              <a:off x="3716902" y="769022"/>
+              <a:ext cx="180477" cy="292893"/>
+              <a:chOff x="5318760" y="2233613"/>
+              <a:chExt cx="180477" cy="292893"/>
+            </a:xfrm>
+          </p:grpSpPr>
+          <p:cxnSp>
+            <p:nvCxnSpPr>
+              <p:cNvPr id="81" name="Lige forbindelse 80">
+                <a:extLst>
+                  <a:ext uri="{FF2B5EF4-FFF2-40B4-BE49-F238E27FC236}">
+                    <a16:creationId xmlns:a16="http://schemas.microsoft.com/office/drawing/2014/main" id="{414689E6-885E-F762-C0F5-B069BDC9693E}"/>
+                  </a:ext>
+                </a:extLst>
+              </p:cNvPr>
+              <p:cNvCxnSpPr/>
+              <p:nvPr/>
+            </p:nvCxnSpPr>
+            <p:spPr>
+              <a:xfrm>
+                <a:off x="5318760" y="2405300"/>
+                <a:ext cx="180000" cy="0"/>
+              </a:xfrm>
+              <a:prstGeom prst="line">
+                <a:avLst/>
+              </a:prstGeom>
+              <a:ln w="12700">
+                <a:solidFill>
+                  <a:schemeClr val="tx1"/>
+                </a:solidFill>
+              </a:ln>
+            </p:spPr>
+            <p:style>
+              <a:lnRef idx="2">
+                <a:schemeClr val="accent1"/>
+              </a:lnRef>
+              <a:fillRef idx="0">
+                <a:schemeClr val="accent1"/>
+              </a:fillRef>
+              <a:effectRef idx="1">
+                <a:schemeClr val="accent1"/>
+              </a:effectRef>
+              <a:fontRef idx="minor">
+                <a:schemeClr val="tx1"/>
+              </a:fontRef>
+            </p:style>
+          </p:cxnSp>
+          <p:cxnSp>
+            <p:nvCxnSpPr>
+              <p:cNvPr id="82" name="Lige forbindelse 81">
+                <a:extLst>
+                  <a:ext uri="{FF2B5EF4-FFF2-40B4-BE49-F238E27FC236}">
+                    <a16:creationId xmlns:a16="http://schemas.microsoft.com/office/drawing/2014/main" id="{8CCECAB9-708B-A53A-070C-ED6E1867FAAC}"/>
+                  </a:ext>
+                </a:extLst>
+              </p:cNvPr>
+              <p:cNvCxnSpPr/>
+              <p:nvPr/>
+            </p:nvCxnSpPr>
+            <p:spPr>
+              <a:xfrm>
+                <a:off x="5319237" y="2359580"/>
+                <a:ext cx="180000" cy="0"/>
+              </a:xfrm>
+              <a:prstGeom prst="line">
+                <a:avLst/>
+              </a:prstGeom>
+              <a:ln w="12700">
+                <a:solidFill>
+                  <a:schemeClr val="tx1"/>
+                </a:solidFill>
+              </a:ln>
+            </p:spPr>
+            <p:style>
+              <a:lnRef idx="2">
+                <a:schemeClr val="accent1"/>
+              </a:lnRef>
+              <a:fillRef idx="0">
+                <a:schemeClr val="accent1"/>
+              </a:fillRef>
+              <a:effectRef idx="1">
+                <a:schemeClr val="accent1"/>
+              </a:effectRef>
+              <a:fontRef idx="minor">
+                <a:schemeClr val="tx1"/>
+              </a:fontRef>
+            </p:style>
+          </p:cxnSp>
+          <p:cxnSp>
+            <p:nvCxnSpPr>
+              <p:cNvPr id="83" name="Lige forbindelse 82">
+                <a:extLst>
+                  <a:ext uri="{FF2B5EF4-FFF2-40B4-BE49-F238E27FC236}">
+                    <a16:creationId xmlns:a16="http://schemas.microsoft.com/office/drawing/2014/main" id="{83198147-B915-0E7A-8C5F-E5AA037B77E1}"/>
+                  </a:ext>
+                </a:extLst>
+              </p:cNvPr>
+              <p:cNvCxnSpPr/>
+              <p:nvPr/>
+            </p:nvCxnSpPr>
+            <p:spPr>
+              <a:xfrm>
+                <a:off x="5407817" y="2233613"/>
+                <a:ext cx="0" cy="119062"/>
+              </a:xfrm>
+              <a:prstGeom prst="line">
+                <a:avLst/>
+              </a:prstGeom>
+              <a:ln w="12700"/>
+            </p:spPr>
+            <p:style>
+              <a:lnRef idx="2">
+                <a:schemeClr val="dk1"/>
+              </a:lnRef>
+              <a:fillRef idx="0">
+                <a:schemeClr val="dk1"/>
+              </a:fillRef>
+              <a:effectRef idx="1">
+                <a:schemeClr val="dk1"/>
+              </a:effectRef>
+              <a:fontRef idx="minor">
+                <a:schemeClr val="tx1"/>
+              </a:fontRef>
+            </p:style>
+          </p:cxnSp>
+          <p:cxnSp>
+            <p:nvCxnSpPr>
+              <p:cNvPr id="84" name="Lige forbindelse 83">
+                <a:extLst>
+                  <a:ext uri="{FF2B5EF4-FFF2-40B4-BE49-F238E27FC236}">
+                    <a16:creationId xmlns:a16="http://schemas.microsoft.com/office/drawing/2014/main" id="{A3D86D59-A07D-1876-088D-9E3855A31648}"/>
+                  </a:ext>
+                </a:extLst>
+              </p:cNvPr>
+              <p:cNvCxnSpPr/>
+              <p:nvPr/>
+            </p:nvCxnSpPr>
+            <p:spPr>
+              <a:xfrm>
+                <a:off x="5407815" y="2407444"/>
+                <a:ext cx="0" cy="119062"/>
+              </a:xfrm>
+              <a:prstGeom prst="line">
+                <a:avLst/>
+              </a:prstGeom>
+              <a:ln w="12700"/>
+            </p:spPr>
+            <p:style>
+              <a:lnRef idx="2">
+                <a:schemeClr val="dk1"/>
+              </a:lnRef>
+              <a:fillRef idx="0">
+                <a:schemeClr val="dk1"/>
+              </a:fillRef>
+              <a:effectRef idx="1">
+                <a:schemeClr val="dk1"/>
+              </a:effectRef>
+              <a:fontRef idx="minor">
+                <a:schemeClr val="tx1"/>
+              </a:fontRef>
+            </p:style>
+          </p:cxnSp>
+        </p:grpSp>
+        <p:sp>
+          <p:nvSpPr>
+            <p:cNvPr id="86" name="Tekstfelt 85">
+              <a:extLst>
+                <a:ext uri="{FF2B5EF4-FFF2-40B4-BE49-F238E27FC236}">
+                  <a16:creationId xmlns:a16="http://schemas.microsoft.com/office/drawing/2014/main" id="{1866752D-E422-0F5A-8734-7D33C50DF809}"/>
+                </a:ext>
+              </a:extLst>
+            </p:cNvPr>
+            <p:cNvSpPr txBox="1"/>
+            <p:nvPr/>
+          </p:nvSpPr>
+          <p:spPr>
+            <a:xfrm>
+              <a:off x="3353907" y="766120"/>
+              <a:ext cx="482159" cy="276999"/>
+            </a:xfrm>
+            <a:prstGeom prst="rect">
+              <a:avLst/>
+            </a:prstGeom>
+            <a:noFill/>
+          </p:spPr>
+          <p:txBody>
+            <a:bodyPr wrap="square" rtlCol="0">
+              <a:spAutoFit/>
+            </a:bodyPr>
+            <a:lstStyle/>
+            <a:p>
+              <a:r>
+                <a:rPr lang="da-DK" sz="1200" dirty="0" err="1"/>
+                <a:t>Cin</a:t>
+              </a:r>
+              <a:endParaRPr lang="da-DK" sz="1200" dirty="0"/>
+            </a:p>
+          </p:txBody>
+        </p:sp>
+        <p:cxnSp>
+          <p:nvCxnSpPr>
+            <p:cNvPr id="88" name="Lige forbindelse 87">
+              <a:extLst>
+                <a:ext uri="{FF2B5EF4-FFF2-40B4-BE49-F238E27FC236}">
+                  <a16:creationId xmlns:a16="http://schemas.microsoft.com/office/drawing/2014/main" id="{967B5C87-A85B-E004-EAEA-3758EF017BA3}"/>
+                </a:ext>
+              </a:extLst>
+            </p:cNvPr>
+            <p:cNvCxnSpPr>
+              <a:cxnSpLocks/>
+            </p:cNvCxnSpPr>
+            <p:nvPr/>
+          </p:nvCxnSpPr>
+          <p:spPr>
+            <a:xfrm rot="5400000">
+              <a:off x="3641334" y="1185090"/>
+              <a:ext cx="324000" cy="0"/>
+            </a:xfrm>
+            <a:prstGeom prst="line">
+              <a:avLst/>
+            </a:prstGeom>
+            <a:ln w="12700">
+              <a:solidFill>
+                <a:schemeClr val="tx1"/>
+              </a:solidFill>
+            </a:ln>
+          </p:spPr>
+          <p:style>
+            <a:lnRef idx="2">
+              <a:schemeClr val="dk1"/>
+            </a:lnRef>
+            <a:fillRef idx="0">
+              <a:schemeClr val="dk1"/>
+            </a:fillRef>
+            <a:effectRef idx="1">
+              <a:schemeClr val="dk1"/>
+            </a:effectRef>
+            <a:fontRef idx="minor">
+              <a:schemeClr val="tx1"/>
+            </a:fontRef>
+          </p:style>
+        </p:cxnSp>
+      </p:grpSp>
+      <p:grpSp>
+        <p:nvGrpSpPr>
+          <p:cNvPr id="90" name="Gruppe 89">
+            <a:extLst>
+              <a:ext uri="{FF2B5EF4-FFF2-40B4-BE49-F238E27FC236}">
+                <a16:creationId xmlns:a16="http://schemas.microsoft.com/office/drawing/2014/main" id="{0899D713-040C-1A6B-F36C-AA808EE9C944}"/>
+              </a:ext>
+            </a:extLst>
+          </p:cNvPr>
+          <p:cNvGrpSpPr/>
+          <p:nvPr/>
+        </p:nvGrpSpPr>
+        <p:grpSpPr>
+          <a:xfrm>
+            <a:off x="1621145" y="3093791"/>
+            <a:ext cx="360000" cy="1056368"/>
+            <a:chOff x="3996808" y="1427106"/>
+            <a:chExt cx="360000" cy="1056368"/>
+          </a:xfrm>
+        </p:grpSpPr>
+        <p:sp>
+          <p:nvSpPr>
+            <p:cNvPr id="91" name="Rektangel 90">
+              <a:extLst>
+                <a:ext uri="{FF2B5EF4-FFF2-40B4-BE49-F238E27FC236}">
+                  <a16:creationId xmlns:a16="http://schemas.microsoft.com/office/drawing/2014/main" id="{2DF96CE2-8964-4997-403A-DD11DB6CCCF5}"/>
+                </a:ext>
+              </a:extLst>
+            </p:cNvPr>
+            <p:cNvSpPr/>
+            <p:nvPr/>
+          </p:nvSpPr>
+          <p:spPr>
+            <a:xfrm rot="2700000">
+              <a:off x="3996808" y="1771114"/>
+              <a:ext cx="360000" cy="360000"/>
+            </a:xfrm>
+            <a:prstGeom prst="rect">
+              <a:avLst/>
+            </a:prstGeom>
+            <a:noFill/>
+            <a:ln w="12700">
+              <a:solidFill>
+                <a:schemeClr val="tx1"/>
+              </a:solidFill>
+            </a:ln>
+          </p:spPr>
+          <p:style>
+            <a:lnRef idx="2">
+              <a:schemeClr val="accent1">
+                <a:shade val="15000"/>
+              </a:schemeClr>
+            </a:lnRef>
+            <a:fillRef idx="1">
+              <a:schemeClr val="accent1"/>
+            </a:fillRef>
+            <a:effectRef idx="0">
+              <a:schemeClr val="accent1"/>
+            </a:effectRef>
+            <a:fontRef idx="minor">
+              <a:schemeClr val="lt1"/>
+            </a:fontRef>
+          </p:style>
+          <p:txBody>
+            <a:bodyPr rtlCol="0" anchor="ctr"/>
+            <a:lstStyle/>
+            <a:p>
+              <a:pPr algn="ctr"/>
+              <a:endParaRPr lang="da-DK"/>
+            </a:p>
+          </p:txBody>
+        </p:sp>
+        <p:cxnSp>
+          <p:nvCxnSpPr>
+            <p:cNvPr id="92" name="Lige pilforbindelse 91">
+              <a:extLst>
+                <a:ext uri="{FF2B5EF4-FFF2-40B4-BE49-F238E27FC236}">
+                  <a16:creationId xmlns:a16="http://schemas.microsoft.com/office/drawing/2014/main" id="{9C6ED349-EE60-A99D-89F3-029F84344639}"/>
+                </a:ext>
+              </a:extLst>
+            </p:cNvPr>
+            <p:cNvCxnSpPr/>
+            <p:nvPr/>
+          </p:nvCxnSpPr>
+          <p:spPr>
+            <a:xfrm>
+              <a:off x="4176808" y="1784412"/>
+              <a:ext cx="0" cy="326344"/>
+            </a:xfrm>
+            <a:prstGeom prst="straightConnector1">
+              <a:avLst/>
+            </a:prstGeom>
+            <a:ln w="12700">
+              <a:solidFill>
+                <a:schemeClr val="tx1"/>
+              </a:solidFill>
+              <a:tailEnd type="triangle"/>
+            </a:ln>
+          </p:spPr>
+          <p:style>
+            <a:lnRef idx="2">
+              <a:schemeClr val="accent1"/>
+            </a:lnRef>
+            <a:fillRef idx="0">
+              <a:schemeClr val="accent1"/>
+            </a:fillRef>
+            <a:effectRef idx="1">
+              <a:schemeClr val="accent1"/>
+            </a:effectRef>
+            <a:fontRef idx="minor">
+              <a:schemeClr val="tx1"/>
+            </a:fontRef>
+          </p:style>
+        </p:cxnSp>
+        <p:cxnSp>
+          <p:nvCxnSpPr>
+            <p:cNvPr id="93" name="Lige forbindelse 92">
+              <a:extLst>
+                <a:ext uri="{FF2B5EF4-FFF2-40B4-BE49-F238E27FC236}">
+                  <a16:creationId xmlns:a16="http://schemas.microsoft.com/office/drawing/2014/main" id="{9B75919F-9FFD-BDB4-0707-134B422331D0}"/>
+                </a:ext>
+              </a:extLst>
+            </p:cNvPr>
+            <p:cNvCxnSpPr>
+              <a:cxnSpLocks/>
+            </p:cNvCxnSpPr>
+            <p:nvPr/>
+          </p:nvCxnSpPr>
+          <p:spPr>
+            <a:xfrm>
+              <a:off x="4176806" y="1427106"/>
+              <a:ext cx="2" cy="272186"/>
+            </a:xfrm>
+            <a:prstGeom prst="line">
+              <a:avLst/>
+            </a:prstGeom>
+            <a:ln w="12700">
+              <a:solidFill>
+                <a:schemeClr val="tx1"/>
+              </a:solidFill>
+            </a:ln>
+          </p:spPr>
+          <p:style>
+            <a:lnRef idx="2">
+              <a:schemeClr val="accent1"/>
+            </a:lnRef>
+            <a:fillRef idx="0">
+              <a:schemeClr val="accent1"/>
+            </a:fillRef>
+            <a:effectRef idx="1">
+              <a:schemeClr val="accent1"/>
+            </a:effectRef>
+            <a:fontRef idx="minor">
+              <a:schemeClr val="tx1"/>
+            </a:fontRef>
+          </p:style>
+        </p:cxnSp>
+        <p:cxnSp>
+          <p:nvCxnSpPr>
+            <p:cNvPr id="94" name="Lige forbindelse 93">
+              <a:extLst>
+                <a:ext uri="{FF2B5EF4-FFF2-40B4-BE49-F238E27FC236}">
+                  <a16:creationId xmlns:a16="http://schemas.microsoft.com/office/drawing/2014/main" id="{61C681A7-33D9-15CA-D4AE-8BDA92A88F01}"/>
+                </a:ext>
+              </a:extLst>
+            </p:cNvPr>
+            <p:cNvCxnSpPr>
+              <a:cxnSpLocks/>
+            </p:cNvCxnSpPr>
+            <p:nvPr/>
+          </p:nvCxnSpPr>
+          <p:spPr>
+            <a:xfrm>
+              <a:off x="4176807" y="2205673"/>
+              <a:ext cx="0" cy="277801"/>
+            </a:xfrm>
+            <a:prstGeom prst="line">
+              <a:avLst/>
+            </a:prstGeom>
+            <a:ln w="12700">
+              <a:solidFill>
+                <a:schemeClr val="tx1"/>
+              </a:solidFill>
+            </a:ln>
+          </p:spPr>
+          <p:style>
+            <a:lnRef idx="2">
+              <a:schemeClr val="accent1"/>
+            </a:lnRef>
+            <a:fillRef idx="0">
+              <a:schemeClr val="accent1"/>
+            </a:fillRef>
+            <a:effectRef idx="1">
+              <a:schemeClr val="accent1"/>
+            </a:effectRef>
+            <a:fontRef idx="minor">
+              <a:schemeClr val="tx1"/>
+            </a:fontRef>
+          </p:style>
+        </p:cxnSp>
+      </p:grpSp>
+    </p:spTree>
+    <p:extLst>
+      <p:ext uri="{BB962C8B-B14F-4D97-AF65-F5344CB8AC3E}">
+        <p14:creationId xmlns:p14="http://schemas.microsoft.com/office/powerpoint/2010/main" val="883533562"/>
+      </p:ext>
+    </p:extLst>
+  </p:cSld>
+  <p:clrMapOvr>
+    <a:masterClrMapping/>
+  </p:clrMapOvr>
+</p:sld>
+</file>
+
+<file path=ppt/slides/slide2.xml><?xml version="1.0" encoding="utf-8"?>
+<p:sld xmlns:a="http://schemas.openxmlformats.org/drawingml/2006/main" xmlns:r="http://schemas.openxmlformats.org/officeDocument/2006/relationships" xmlns:p="http://schemas.openxmlformats.org/presentationml/2006/main">
+  <p:cSld>
+    <p:spTree>
+      <p:nvGrpSpPr>
+        <p:cNvPr id="1" name=""/>
+        <p:cNvGrpSpPr/>
+        <p:nvPr/>
+      </p:nvGrpSpPr>
+      <p:grpSpPr>
+        <a:xfrm>
+          <a:off x="0" y="0"/>
+          <a:ext cx="0" cy="0"/>
+          <a:chOff x="0" y="0"/>
+          <a:chExt cx="0" cy="0"/>
+        </a:xfrm>
+      </p:grpSpPr>
+      <p:sp>
+        <p:nvSpPr>
+          <p:cNvPr id="4" name="Titel 1">
+            <a:extLst>
+              <a:ext uri="{FF2B5EF4-FFF2-40B4-BE49-F238E27FC236}">
                 <a16:creationId xmlns:a16="http://schemas.microsoft.com/office/drawing/2014/main" id="{0FAABABC-493E-E73E-5FDF-8828CCB58E4C}"/>
               </a:ext>
             </a:extLst>
@@ -9278,86 +10909,6 @@
     <p:extLst>
       <p:ext uri="{BB962C8B-B14F-4D97-AF65-F5344CB8AC3E}">
         <p14:creationId xmlns:p14="http://schemas.microsoft.com/office/powerpoint/2010/main" val="3002241931"/>
-      </p:ext>
-    </p:extLst>
-  </p:cSld>
-  <p:clrMapOvr>
-    <a:masterClrMapping/>
-  </p:clrMapOvr>
-</p:sld>
-</file>
-
-<file path=ppt/slides/slide2.xml><?xml version="1.0" encoding="utf-8"?>
-<p:sld xmlns:a="http://schemas.openxmlformats.org/drawingml/2006/main" xmlns:r="http://schemas.openxmlformats.org/officeDocument/2006/relationships" xmlns:p="http://schemas.openxmlformats.org/presentationml/2006/main">
-  <p:cSld>
-    <p:spTree>
-      <p:nvGrpSpPr>
-        <p:cNvPr id="1" name=""/>
-        <p:cNvGrpSpPr/>
-        <p:nvPr/>
-      </p:nvGrpSpPr>
-      <p:grpSpPr>
-        <a:xfrm>
-          <a:off x="0" y="0"/>
-          <a:ext cx="0" cy="0"/>
-          <a:chOff x="0" y="0"/>
-          <a:chExt cx="0" cy="0"/>
-        </a:xfrm>
-      </p:grpSpPr>
-      <p:sp>
-        <p:nvSpPr>
-          <p:cNvPr id="2" name="Titel 1">
-            <a:extLst>
-              <a:ext uri="{FF2B5EF4-FFF2-40B4-BE49-F238E27FC236}">
-                <a16:creationId xmlns:a16="http://schemas.microsoft.com/office/drawing/2014/main" id="{E25E46BD-7341-0832-B825-3828281AFFA5}"/>
-              </a:ext>
-            </a:extLst>
-          </p:cNvPr>
-          <p:cNvSpPr>
-            <a:spLocks noGrp="1"/>
-          </p:cNvSpPr>
-          <p:nvPr>
-            <p:ph type="title"/>
-          </p:nvPr>
-        </p:nvSpPr>
-        <p:spPr/>
-        <p:txBody>
-          <a:bodyPr/>
-          <a:lstStyle/>
-          <a:p>
-            <a:endParaRPr lang="da-DK"/>
-          </a:p>
-        </p:txBody>
-      </p:sp>
-      <p:sp>
-        <p:nvSpPr>
-          <p:cNvPr id="3" name="Pladsholder til indhold 2">
-            <a:extLst>
-              <a:ext uri="{FF2B5EF4-FFF2-40B4-BE49-F238E27FC236}">
-                <a16:creationId xmlns:a16="http://schemas.microsoft.com/office/drawing/2014/main" id="{D1E3737A-04A3-4A24-DBC4-EA71B81C7173}"/>
-              </a:ext>
-            </a:extLst>
-          </p:cNvPr>
-          <p:cNvSpPr>
-            <a:spLocks noGrp="1"/>
-          </p:cNvSpPr>
-          <p:nvPr>
-            <p:ph idx="1"/>
-          </p:nvPr>
-        </p:nvSpPr>
-        <p:spPr/>
-        <p:txBody>
-          <a:bodyPr/>
-          <a:lstStyle/>
-          <a:p>
-            <a:endParaRPr lang="da-DK"/>
-          </a:p>
-        </p:txBody>
-      </p:sp>
-    </p:spTree>
-    <p:extLst>
-      <p:ext uri="{BB962C8B-B14F-4D97-AF65-F5344CB8AC3E}">
-        <p14:creationId xmlns:p14="http://schemas.microsoft.com/office/powerpoint/2010/main" val="883533562"/>
       </p:ext>
     </p:extLst>
   </p:cSld>
